--- a/Presentation.pptx
+++ b/Presentation.pptx
@@ -6556,7 +6556,20 @@
                 <a:latin typeface="Times New Roman" pitchFamily="18" charset="0"/>
                 <a:cs typeface="Times New Roman" pitchFamily="18" charset="0"/>
               </a:rPr>
-              <a:t>Anonymous Code Sharing App</a:t>
+              <a:t>Anonymous Code Sharing </a:t>
+            </a:r>
+            <a:r>
+              <a:rPr lang="en-US" dirty="0" smtClean="0">
+                <a:solidFill>
+                  <a:schemeClr val="tx2">
+                    <a:lumMod val="60000"/>
+                    <a:lumOff val="40000"/>
+                  </a:schemeClr>
+                </a:solidFill>
+                <a:latin typeface="Times New Roman" pitchFamily="18" charset="0"/>
+                <a:cs typeface="Times New Roman" pitchFamily="18" charset="0"/>
+              </a:rPr>
+              <a:t>iOS App</a:t>
             </a:r>
             <a:endParaRPr lang="en-US" dirty="0">
               <a:solidFill>
@@ -6809,22 +6822,48 @@
               <a:buChar char="•"/>
             </a:pPr>
             <a:r>
-              <a:rPr lang="en-US" sz="2800" dirty="0" smtClean="0"/>
-              <a:t>This app stores </a:t>
-            </a:r>
-            <a:r>
-              <a:rPr lang="en-US" sz="2800" dirty="0"/>
-              <a:t>sensitive information among ’n’ untrusted smartphones, in a way that no fewer than ‘m’ (where m &lt;= n) participating smartphones can reconstruct the sensitive information</a:t>
-            </a:r>
-            <a:r>
-              <a:rPr lang="en-US" sz="2800" dirty="0"/>
-              <a:t> </a:t>
-            </a:r>
-            <a:endParaRPr lang="en-US" sz="2800" dirty="0" smtClean="0">
+              <a:rPr lang="en-US" dirty="0" smtClean="0">
+                <a:solidFill>
+                  <a:schemeClr val="tx1"/>
+                </a:solidFill>
+              </a:rPr>
+              <a:t>This iOS </a:t>
+            </a:r>
+            <a:r>
+              <a:rPr lang="en-US" dirty="0" smtClean="0">
+                <a:solidFill>
+                  <a:schemeClr val="tx1"/>
+                </a:solidFill>
+              </a:rPr>
+              <a:t>app </a:t>
+            </a:r>
+            <a:r>
+              <a:rPr lang="en-US" dirty="0" smtClean="0">
+                <a:solidFill>
+                  <a:schemeClr val="tx1"/>
+                </a:solidFill>
+              </a:rPr>
+              <a:t>shares sensitive </a:t>
+            </a:r>
+            <a:r>
+              <a:rPr lang="en-US" dirty="0">
+                <a:solidFill>
+                  <a:schemeClr val="tx1"/>
+                </a:solidFill>
+              </a:rPr>
+              <a:t>information among ’n’ untrusted smartphones, in a way that no fewer than ‘m’ (where m &lt;= n) participating smartphones can reconstruct the sensitive </a:t>
+            </a:r>
+            <a:r>
+              <a:rPr lang="en-US" dirty="0" smtClean="0">
+                <a:solidFill>
+                  <a:schemeClr val="tx1"/>
+                </a:solidFill>
+              </a:rPr>
+              <a:t>information.</a:t>
+            </a:r>
+            <a:endParaRPr lang="en-US" dirty="0" smtClean="0">
               <a:solidFill>
-                <a:schemeClr val="bg2">
-                  <a:lumMod val="25000"/>
-                </a:schemeClr>
+                <a:schemeClr val="tx1"/>
               </a:solidFill>
               <a:latin typeface="Times New Roman" pitchFamily="18" charset="0"/>
               <a:cs typeface="Times New Roman" pitchFamily="18" charset="0"/>
@@ -7331,17 +7370,7 @@
                 <a:latin typeface="Times New Roman" pitchFamily="18" charset="0"/>
                 <a:cs typeface="Times New Roman" pitchFamily="18" charset="0"/>
               </a:rPr>
-              <a:t>In this case its 2, so we need minimum 2 secret keys from 2 members of group to successfully regenerat</a:t>
-            </a:r>
-            <a:r>
-              <a:rPr lang="en-US" sz="2800" dirty="0" smtClean="0">
-                <a:solidFill>
-                  <a:schemeClr val="tx1"/>
-                </a:solidFill>
-                <a:latin typeface="Times New Roman" pitchFamily="18" charset="0"/>
-                <a:cs typeface="Times New Roman" pitchFamily="18" charset="0"/>
-              </a:rPr>
-              <a:t>e the secret code.</a:t>
+              <a:t>In this case its 2, so we need minimum 2 secret keys from 2 members of group to successfully regenerate the secret code.</a:t>
             </a:r>
           </a:p>
           <a:p>
@@ -7359,13 +7388,6 @@
               </a:rPr>
               <a:t>If we use only 1 secret code then we get a false or wrong code.</a:t>
             </a:r>
-            <a:endParaRPr lang="en-US" sz="2800" dirty="0" smtClean="0">
-              <a:solidFill>
-                <a:schemeClr val="tx1"/>
-              </a:solidFill>
-              <a:latin typeface="Times New Roman" pitchFamily="18" charset="0"/>
-              <a:cs typeface="Times New Roman" pitchFamily="18" charset="0"/>
-            </a:endParaRPr>
           </a:p>
         </p:txBody>
       </p:sp>

--- a/Presentation.pptx
+++ b/Presentation.pptx
@@ -6556,20 +6556,7 @@
                 <a:latin typeface="Times New Roman" pitchFamily="18" charset="0"/>
                 <a:cs typeface="Times New Roman" pitchFamily="18" charset="0"/>
               </a:rPr>
-              <a:t>Anonymous Code Sharing </a:t>
-            </a:r>
-            <a:r>
-              <a:rPr lang="en-US" dirty="0" smtClean="0">
-                <a:solidFill>
-                  <a:schemeClr val="tx2">
-                    <a:lumMod val="60000"/>
-                    <a:lumOff val="40000"/>
-                  </a:schemeClr>
-                </a:solidFill>
-                <a:latin typeface="Times New Roman" pitchFamily="18" charset="0"/>
-                <a:cs typeface="Times New Roman" pitchFamily="18" charset="0"/>
-              </a:rPr>
-              <a:t>iOS App</a:t>
+              <a:t>Anonymous Code Sharing iOS App</a:t>
             </a:r>
             <a:endParaRPr lang="en-US" dirty="0">
               <a:solidFill>
@@ -6604,15 +6591,57 @@
           </a:bodyPr>
           <a:lstStyle/>
           <a:p>
+            <a:r>
+              <a:rPr lang="en-US" b="1" dirty="0" smtClean="0">
+                <a:solidFill>
+                  <a:schemeClr val="tx1"/>
+                </a:solidFill>
+              </a:rPr>
+              <a:t>Team: The Tornadoes</a:t>
+            </a:r>
+          </a:p>
+          <a:p>
             <a:pPr algn="just"/>
             <a:r>
-              <a:rPr lang="en-US" b="1" dirty="0" smtClean="0"/>
-              <a:t>Team: The Tornadoes</a:t>
+              <a:rPr lang="en-US" b="1" dirty="0" err="1" smtClean="0">
+                <a:solidFill>
+                  <a:schemeClr val="tx1"/>
+                </a:solidFill>
+              </a:rPr>
+              <a:t>Eyeverify</a:t>
+            </a:r>
+            <a:r>
+              <a:rPr lang="en-US" b="1" dirty="0" smtClean="0">
+                <a:solidFill>
+                  <a:schemeClr val="tx1"/>
+                </a:solidFill>
+              </a:rPr>
+              <a:t>  use case 3:</a:t>
             </a:r>
           </a:p>
           <a:p>
             <a:pPr algn="just"/>
-            <a:endParaRPr lang="en-US" b="1" dirty="0" smtClean="0"/>
+            <a:r>
+              <a:rPr lang="en-US" sz="2800" dirty="0" smtClean="0">
+                <a:solidFill>
+                  <a:schemeClr val="tx1"/>
+                </a:solidFill>
+              </a:rPr>
+              <a:t>Secret </a:t>
+            </a:r>
+            <a:r>
+              <a:rPr lang="en-US" sz="2800" dirty="0">
+                <a:solidFill>
+                  <a:schemeClr val="tx1"/>
+                </a:solidFill>
+              </a:rPr>
+              <a:t>information sharing among untrusted parties (that all use smartphones)</a:t>
+            </a:r>
+            <a:endParaRPr lang="en-US" sz="2800" b="1" dirty="0" smtClean="0">
+              <a:solidFill>
+                <a:schemeClr val="tx1"/>
+              </a:solidFill>
+            </a:endParaRPr>
           </a:p>
           <a:p>
             <a:pPr algn="just">
@@ -6827,23 +6856,7 @@
                   <a:schemeClr val="tx1"/>
                 </a:solidFill>
               </a:rPr>
-              <a:t>This iOS </a:t>
-            </a:r>
-            <a:r>
-              <a:rPr lang="en-US" dirty="0" smtClean="0">
-                <a:solidFill>
-                  <a:schemeClr val="tx1"/>
-                </a:solidFill>
-              </a:rPr>
-              <a:t>app </a:t>
-            </a:r>
-            <a:r>
-              <a:rPr lang="en-US" dirty="0" smtClean="0">
-                <a:solidFill>
-                  <a:schemeClr val="tx1"/>
-                </a:solidFill>
-              </a:rPr>
-              <a:t>shares sensitive </a:t>
+              <a:t>This iOS app shares sensitive </a:t>
             </a:r>
             <a:r>
               <a:rPr lang="en-US" dirty="0">
